--- a/apresentacoes/Aula6/Etapa2.pptx
+++ b/apresentacoes/Aula6/Etapa2.pptx
@@ -284,7 +284,7 @@
       </p15:sldGuideLst>
     </p:ext>
     <p:ext uri="http://customooxmlschemas.google.com/">
-      <go:slidesCustomData xmlns:go="http://customooxmlschemas.google.com/" xmlns:ahyp="http://schemas.microsoft.com/office/drawing/2018/hyperlinkcolor" xmlns:p15="http://schemas.microsoft.com/office/powerpoint/2012/main" xmlns:p14="http://schemas.microsoft.com/office/powerpoint/2010/main" xmlns:com="http://schemas.openxmlformats.org/drawingml/2006/compatibility" xmlns:pvml="urn:schemas-microsoft-com:office:powerpoint" xmlns:v="urn:schemas-microsoft-com:vml" xmlns:o="urn:schemas-microsoft-com:office:office" xmlns:dgm="http://schemas.openxmlformats.org/drawingml/2006/diagram" xmlns:c="http://schemas.openxmlformats.org/drawingml/2006/chart" xmlns:mv="urn:schemas-microsoft-com:mac:vml" xmlns:mc="http://schemas.openxmlformats.org/markup-compatibility/2006" xmlns="" r:id="rId34" roundtripDataSignature="AMtx7mij1fsZUe5V3lBG5qQcqOvrI5UhJw=="/>
+      <go:slidesCustomData xmlns="" xmlns:mc="http://schemas.openxmlformats.org/markup-compatibility/2006" xmlns:mv="urn:schemas-microsoft-com:mac:vml" xmlns:c="http://schemas.openxmlformats.org/drawingml/2006/chart" xmlns:dgm="http://schemas.openxmlformats.org/drawingml/2006/diagram" xmlns:o="urn:schemas-microsoft-com:office:office" xmlns:v="urn:schemas-microsoft-com:vml" xmlns:pvml="urn:schemas-microsoft-com:office:powerpoint" xmlns:com="http://schemas.openxmlformats.org/drawingml/2006/compatibility" xmlns:p14="http://schemas.microsoft.com/office/powerpoint/2010/main" xmlns:p15="http://schemas.microsoft.com/office/powerpoint/2012/main" xmlns:ahyp="http://schemas.microsoft.com/office/drawing/2018/hyperlinkcolor" xmlns:go="http://customooxmlschemas.google.com/" r:id="rId34" roundtripDataSignature="AMtx7mij1fsZUe5V3lBG5qQcqOvrI5UhJw=="/>
     </p:ext>
   </p:extLst>
 </p:presentation>
@@ -20716,8 +20716,8 @@
         </p:nvSpPr>
         <p:spPr>
           <a:xfrm>
-            <a:off x="467550" y="1660806"/>
-            <a:ext cx="8520600" cy="1519790"/>
+            <a:off x="467550" y="756823"/>
+            <a:ext cx="8520600" cy="2971241"/>
           </a:xfrm>
           <a:prstGeom prst="rect">
             <a:avLst/>
@@ -20822,7 +20822,7 @@
         </p:nvSpPr>
         <p:spPr>
           <a:xfrm>
-            <a:off x="465750" y="2590889"/>
+            <a:off x="465750" y="2222902"/>
             <a:ext cx="8290350" cy="1134083"/>
           </a:xfrm>
           <a:prstGeom prst="rect">
@@ -20855,29 +20855,8 @@
                 <a:cs typeface="Century Gothic"/>
                 <a:sym typeface="Century Gothic"/>
               </a:rPr>
-              <a:t>Implementação da </a:t>
+              <a:t>Implementação da classe No()</a:t>
             </a:r>
-            <a:r>
-              <a:rPr lang="pt-BR" sz="3600">
-                <a:solidFill>
-                  <a:srgbClr val="F78321"/>
-                </a:solidFill>
-                <a:latin typeface="Century Gothic"/>
-                <a:ea typeface="Century Gothic"/>
-                <a:cs typeface="Century Gothic"/>
-                <a:sym typeface="Century Gothic"/>
-              </a:rPr>
-              <a:t>classe No()</a:t>
-            </a:r>
-            <a:endParaRPr lang="pt-BR" sz="3600" dirty="0">
-              <a:solidFill>
-                <a:srgbClr val="F78321"/>
-              </a:solidFill>
-              <a:latin typeface="Century Gothic"/>
-              <a:ea typeface="Century Gothic"/>
-              <a:cs typeface="Century Gothic"/>
-              <a:sym typeface="Century Gothic"/>
-            </a:endParaRPr>
           </a:p>
         </p:txBody>
       </p:sp>
@@ -20892,7 +20871,7 @@
         <p:fade/>
       </p:transition>
     </mc:Choice>
-    <mc:Fallback xmlns="" xmlns:mv="urn:schemas-microsoft-com:mac:vml" xmlns:c="http://schemas.openxmlformats.org/drawingml/2006/chart" xmlns:dgm="http://schemas.openxmlformats.org/drawingml/2006/diagram" xmlns:o="urn:schemas-microsoft-com:office:office" xmlns:v="urn:schemas-microsoft-com:vml" xmlns:pvml="urn:schemas-microsoft-com:office:powerpoint" xmlns:com="http://schemas.openxmlformats.org/drawingml/2006/compatibility" xmlns:p15="http://schemas.microsoft.com/office/powerpoint/2012/main" xmlns:ahyp="http://schemas.microsoft.com/office/drawing/2018/hyperlinkcolor">
+    <mc:Fallback xmlns:ahyp="http://schemas.microsoft.com/office/drawing/2018/hyperlinkcolor" xmlns:p15="http://schemas.microsoft.com/office/powerpoint/2012/main" xmlns:com="http://schemas.openxmlformats.org/drawingml/2006/compatibility" xmlns:pvml="urn:schemas-microsoft-com:office:powerpoint" xmlns:v="urn:schemas-microsoft-com:vml" xmlns:o="urn:schemas-microsoft-com:office:office" xmlns:dgm="http://schemas.openxmlformats.org/drawingml/2006/diagram" xmlns:c="http://schemas.openxmlformats.org/drawingml/2006/chart" xmlns:mv="urn:schemas-microsoft-com:mac:vml" xmlns="">
       <p:transition spd="slow">
         <p:fade/>
       </p:transition>
@@ -21472,7 +21451,7 @@
         <p:fade/>
       </p:transition>
     </mc:Choice>
-    <mc:Fallback xmlns:ahyp="http://schemas.microsoft.com/office/drawing/2018/hyperlinkcolor" xmlns:p15="http://schemas.microsoft.com/office/powerpoint/2012/main" xmlns:com="http://schemas.openxmlformats.org/drawingml/2006/compatibility" xmlns:pvml="urn:schemas-microsoft-com:office:powerpoint" xmlns:v="urn:schemas-microsoft-com:vml" xmlns:o="urn:schemas-microsoft-com:office:office" xmlns:dgm="http://schemas.openxmlformats.org/drawingml/2006/diagram" xmlns:c="http://schemas.openxmlformats.org/drawingml/2006/chart" xmlns:mv="urn:schemas-microsoft-com:mac:vml" xmlns="">
+    <mc:Fallback xmlns="" xmlns:mv="urn:schemas-microsoft-com:mac:vml" xmlns:c="http://schemas.openxmlformats.org/drawingml/2006/chart" xmlns:dgm="http://schemas.openxmlformats.org/drawingml/2006/diagram" xmlns:o="urn:schemas-microsoft-com:office:office" xmlns:v="urn:schemas-microsoft-com:vml" xmlns:pvml="urn:schemas-microsoft-com:office:powerpoint" xmlns:com="http://schemas.openxmlformats.org/drawingml/2006/compatibility" xmlns:p15="http://schemas.microsoft.com/office/powerpoint/2012/main" xmlns:ahyp="http://schemas.microsoft.com/office/drawing/2018/hyperlinkcolor">
       <p:transition spd="slow">
         <p:fade/>
       </p:transition>
@@ -22334,7 +22313,7 @@
         <p:fade/>
       </p:transition>
     </mc:Choice>
-    <mc:Fallback xmlns:ahyp="http://schemas.microsoft.com/office/drawing/2018/hyperlinkcolor" xmlns:p15="http://schemas.microsoft.com/office/powerpoint/2012/main" xmlns:com="http://schemas.openxmlformats.org/drawingml/2006/compatibility" xmlns:pvml="urn:schemas-microsoft-com:office:powerpoint" xmlns:v="urn:schemas-microsoft-com:vml" xmlns:o="urn:schemas-microsoft-com:office:office" xmlns:dgm="http://schemas.openxmlformats.org/drawingml/2006/diagram" xmlns:c="http://schemas.openxmlformats.org/drawingml/2006/chart" xmlns:mv="urn:schemas-microsoft-com:mac:vml" xmlns="">
+    <mc:Fallback xmlns="" xmlns:mv="urn:schemas-microsoft-com:mac:vml" xmlns:c="http://schemas.openxmlformats.org/drawingml/2006/chart" xmlns:dgm="http://schemas.openxmlformats.org/drawingml/2006/diagram" xmlns:o="urn:schemas-microsoft-com:office:office" xmlns:v="urn:schemas-microsoft-com:vml" xmlns:pvml="urn:schemas-microsoft-com:office:powerpoint" xmlns:com="http://schemas.openxmlformats.org/drawingml/2006/compatibility" xmlns:p15="http://schemas.microsoft.com/office/powerpoint/2012/main" xmlns:ahyp="http://schemas.microsoft.com/office/drawing/2018/hyperlinkcolor">
       <p:transition spd="slow">
         <p:fade/>
       </p:transition>
